--- a/FinalProjectPresentation.pptx
+++ b/FinalProjectPresentation.pptx
@@ -311,7 +311,7 @@
             <a:fld id="{B61BEF0D-F0BB-DE4B-95CE-6DB70DBA9567}" type="datetimeFigureOut">
               <a:rPr lang="en-US" dirty="0"/>
               <a:pPr/>
-              <a:t>5/24/2020</a:t>
+              <a:t>9/18/2020</a:t>
             </a:fld>
             <a:endParaRPr lang="en-US" dirty="0"/>
           </a:p>
@@ -646,7 +646,7 @@
             <a:fld id="{B61BEF0D-F0BB-DE4B-95CE-6DB70DBA9567}" type="datetimeFigureOut">
               <a:rPr lang="en-US" dirty="0"/>
               <a:pPr/>
-              <a:t>5/24/2020</a:t>
+              <a:t>9/18/2020</a:t>
             </a:fld>
             <a:endParaRPr lang="en-US" dirty="0"/>
           </a:p>
@@ -1044,7 +1044,7 @@
             <a:fld id="{B61BEF0D-F0BB-DE4B-95CE-6DB70DBA9567}" type="datetimeFigureOut">
               <a:rPr lang="en-US" dirty="0"/>
               <a:pPr/>
-              <a:t>5/24/2020</a:t>
+              <a:t>9/18/2020</a:t>
             </a:fld>
             <a:endParaRPr lang="en-US" dirty="0"/>
           </a:p>
@@ -1377,7 +1377,7 @@
             <a:fld id="{B61BEF0D-F0BB-DE4B-95CE-6DB70DBA9567}" type="datetimeFigureOut">
               <a:rPr lang="en-US" dirty="0"/>
               <a:pPr/>
-              <a:t>5/24/2020</a:t>
+              <a:t>9/18/2020</a:t>
             </a:fld>
             <a:endParaRPr lang="en-US" dirty="0"/>
           </a:p>
@@ -1694,7 +1694,7 @@
             <a:fld id="{B61BEF0D-F0BB-DE4B-95CE-6DB70DBA9567}" type="datetimeFigureOut">
               <a:rPr lang="en-US" dirty="0"/>
               <a:pPr/>
-              <a:t>5/24/2020</a:t>
+              <a:t>9/18/2020</a:t>
             </a:fld>
             <a:endParaRPr lang="en-US" dirty="0"/>
           </a:p>
@@ -2087,7 +2087,7 @@
             <a:fld id="{B61BEF0D-F0BB-DE4B-95CE-6DB70DBA9567}" type="datetimeFigureOut">
               <a:rPr lang="en-US" dirty="0"/>
               <a:pPr/>
-              <a:t>5/24/2020</a:t>
+              <a:t>9/18/2020</a:t>
             </a:fld>
             <a:endParaRPr lang="en-US" dirty="0"/>
           </a:p>
@@ -2341,7 +2341,7 @@
             <a:fld id="{B61BEF0D-F0BB-DE4B-95CE-6DB70DBA9567}" type="datetimeFigureOut">
               <a:rPr lang="en-US" dirty="0"/>
               <a:pPr/>
-              <a:t>5/24/2020</a:t>
+              <a:t>9/18/2020</a:t>
             </a:fld>
             <a:endParaRPr lang="en-US" dirty="0"/>
           </a:p>
@@ -2600,7 +2600,7 @@
             <a:fld id="{B61BEF0D-F0BB-DE4B-95CE-6DB70DBA9567}" type="datetimeFigureOut">
               <a:rPr lang="en-US" dirty="0"/>
               <a:pPr/>
-              <a:t>5/24/2020</a:t>
+              <a:t>9/18/2020</a:t>
             </a:fld>
             <a:endParaRPr lang="en-US" dirty="0"/>
           </a:p>
@@ -2859,7 +2859,7 @@
             <a:fld id="{B61BEF0D-F0BB-DE4B-95CE-6DB70DBA9567}" type="datetimeFigureOut">
               <a:rPr lang="en-US" dirty="0"/>
               <a:pPr/>
-              <a:t>5/24/2020</a:t>
+              <a:t>9/18/2020</a:t>
             </a:fld>
             <a:endParaRPr lang="en-US" dirty="0"/>
           </a:p>
@@ -3185,7 +3185,7 @@
             <a:fld id="{B61BEF0D-F0BB-DE4B-95CE-6DB70DBA9567}" type="datetimeFigureOut">
               <a:rPr lang="en-US" dirty="0"/>
               <a:pPr/>
-              <a:t>5/24/2020</a:t>
+              <a:t>9/18/2020</a:t>
             </a:fld>
             <a:endParaRPr lang="en-US" dirty="0"/>
           </a:p>
@@ -3505,7 +3505,7 @@
             <a:fld id="{B61BEF0D-F0BB-DE4B-95CE-6DB70DBA9567}" type="datetimeFigureOut">
               <a:rPr lang="en-US" dirty="0"/>
               <a:pPr/>
-              <a:t>5/24/2020</a:t>
+              <a:t>9/18/2020</a:t>
             </a:fld>
             <a:endParaRPr lang="en-US" dirty="0"/>
           </a:p>
@@ -3959,7 +3959,7 @@
             <a:fld id="{B61BEF0D-F0BB-DE4B-95CE-6DB70DBA9567}" type="datetimeFigureOut">
               <a:rPr lang="en-US" dirty="0"/>
               <a:pPr/>
-              <a:t>5/24/2020</a:t>
+              <a:t>9/18/2020</a:t>
             </a:fld>
             <a:endParaRPr lang="en-US" dirty="0"/>
           </a:p>
@@ -4161,7 +4161,7 @@
             <a:fld id="{B61BEF0D-F0BB-DE4B-95CE-6DB70DBA9567}" type="datetimeFigureOut">
               <a:rPr lang="en-US" dirty="0"/>
               <a:pPr/>
-              <a:t>5/24/2020</a:t>
+              <a:t>9/18/2020</a:t>
             </a:fld>
             <a:endParaRPr lang="en-US" dirty="0"/>
           </a:p>
@@ -4335,7 +4335,7 @@
             <a:fld id="{B61BEF0D-F0BB-DE4B-95CE-6DB70DBA9567}" type="datetimeFigureOut">
               <a:rPr lang="en-US" dirty="0"/>
               <a:pPr/>
-              <a:t>5/24/2020</a:t>
+              <a:t>9/18/2020</a:t>
             </a:fld>
             <a:endParaRPr lang="en-US" dirty="0"/>
           </a:p>
@@ -4665,7 +4665,7 @@
             <a:fld id="{B61BEF0D-F0BB-DE4B-95CE-6DB70DBA9567}" type="datetimeFigureOut">
               <a:rPr lang="en-US" dirty="0"/>
               <a:pPr/>
-              <a:t>5/24/2020</a:t>
+              <a:t>9/18/2020</a:t>
             </a:fld>
             <a:endParaRPr lang="en-US" dirty="0"/>
           </a:p>
@@ -5007,7 +5007,7 @@
             <a:fld id="{B61BEF0D-F0BB-DE4B-95CE-6DB70DBA9567}" type="datetimeFigureOut">
               <a:rPr lang="en-US" dirty="0"/>
               <a:pPr/>
-              <a:t>5/24/2020</a:t>
+              <a:t>9/18/2020</a:t>
             </a:fld>
             <a:endParaRPr lang="en-US" dirty="0"/>
           </a:p>
@@ -7121,7 +7121,7 @@
             <a:fld id="{B61BEF0D-F0BB-DE4B-95CE-6DB70DBA9567}" type="datetimeFigureOut">
               <a:rPr lang="en-US" dirty="0"/>
               <a:pPr/>
-              <a:t>5/24/2020</a:t>
+              <a:t>9/18/2020</a:t>
             </a:fld>
             <a:endParaRPr lang="en-US" dirty="0"/>
           </a:p>
@@ -8671,8 +8671,8 @@
               <a:buNone/>
             </a:pPr>
             <a:r>
-              <a:rPr lang="en-US" dirty="0"/>
-              <a:t>To enhance agriculture sector and to satisfy global food demand and decide the suitable cash crops for terrestrial agriculture. </a:t>
+              <a:rPr lang="en-GB" dirty="0" smtClean="0"/>
+              <a:t>To develop a system to classify soil using soil parameters and predict crop using soil and weather conditions.</a:t>
             </a:r>
             <a:endParaRPr lang="en-IN" dirty="0"/>
           </a:p>
@@ -8741,29 +8741,71 @@
             <p:ph idx="1"/>
           </p:nvPr>
         </p:nvSpPr>
-        <p:spPr/>
-        <p:txBody>
-          <a:bodyPr/>
+        <p:spPr>
+          <a:xfrm>
+            <a:off x="2589212" y="1714500"/>
+            <a:ext cx="8915400" cy="4965700"/>
+          </a:xfrm>
+        </p:spPr>
+        <p:txBody>
+          <a:bodyPr>
+            <a:normAutofit/>
+          </a:bodyPr>
           <a:lstStyle/>
           <a:p>
-            <a:pPr lvl="0"/>
+            <a:pPr lvl="0" fontAlgn="base"/>
             <a:r>
               <a:rPr lang="en-IN" dirty="0"/>
-              <a:t>To classify the soil through various input parameter</a:t>
-            </a:r>
-          </a:p>
-          <a:p>
-            <a:pPr lvl="0"/>
+              <a:t>To study of different types of soils and crops suitable for a type of soil.</a:t>
+            </a:r>
+          </a:p>
+          <a:p>
+            <a:pPr lvl="0" fontAlgn="base"/>
             <a:r>
               <a:rPr lang="en-IN" dirty="0"/>
-              <a:t>To predict the nature of the crops with respect to its input soil.</a:t>
-            </a:r>
-          </a:p>
-          <a:p>
-            <a:pPr lvl="0"/>
+              <a:t>To identify and select different types of sensor to read the parameter values suitable for identifying different soil types.  </a:t>
+            </a:r>
+          </a:p>
+          <a:p>
+            <a:pPr lvl="0" fontAlgn="base"/>
             <a:r>
               <a:rPr lang="en-IN" dirty="0"/>
-              <a:t>To achieve the good accuracy within the algorithm . </a:t>
+              <a:t>To identify and select different types of sensors to read the environment parameters suitable for identifying different types of crops for the given type of soil.</a:t>
+            </a:r>
+          </a:p>
+          <a:p>
+            <a:pPr lvl="0" fontAlgn="base"/>
+            <a:r>
+              <a:rPr lang="en-IN" dirty="0"/>
+              <a:t>To create classification model to classify soil for given soil parameters.</a:t>
+            </a:r>
+          </a:p>
+          <a:p>
+            <a:pPr lvl="0" fontAlgn="base"/>
+            <a:r>
+              <a:rPr lang="en-IN" dirty="0"/>
+              <a:t>To create prediction model to classify crops for given environmental parameters and soil type.</a:t>
+            </a:r>
+          </a:p>
+          <a:p>
+            <a:pPr lvl="0" fontAlgn="base"/>
+            <a:r>
+              <a:rPr lang="en-IN" dirty="0"/>
+              <a:t>To train and test soil classification and crop prediction models.</a:t>
+            </a:r>
+          </a:p>
+          <a:p>
+            <a:pPr lvl="0" fontAlgn="base"/>
+            <a:r>
+              <a:rPr lang="en-IN" dirty="0"/>
+              <a:t>To deploy the system on suitable cloud platform.</a:t>
+            </a:r>
+          </a:p>
+          <a:p>
+            <a:pPr lvl="0" fontAlgn="base"/>
+            <a:r>
+              <a:rPr lang="en-IN" dirty="0"/>
+              <a:t>To build android app for farmers to interact with the system.  </a:t>
             </a:r>
           </a:p>
           <a:p>
